--- a/Image Super resolution.pptx
+++ b/Image Super resolution.pptx
@@ -17,6 +17,7 @@
     <p:sldId id="264" r:id="rId11"/>
     <p:sldId id="266" r:id="rId12"/>
     <p:sldId id="267" r:id="rId13"/>
+    <p:sldId id="268" r:id="rId14"/>
   </p:sldIdLst>
   <p:sldSz cx="12192000" cy="6858000"/>
   <p:notesSz cx="6858000" cy="9144000"/>
@@ -115,6 +116,11 @@
       </a:defRPr>
     </a:lvl9pPr>
   </p:defaultTextStyle>
+  <p:extLst>
+    <p:ext uri="{EFAFB233-063F-42B5-8137-9DF3F51BA10A}">
+      <p15:sldGuideLst xmlns:p15="http://schemas.microsoft.com/office/powerpoint/2012/main"/>
+    </p:ext>
+  </p:extLst>
 </p:presentation>
 </file>
 
@@ -5920,6 +5926,41 @@
           </a:prstGeom>
         </p:spPr>
       </p:pic>
+      <p:sp>
+        <p:nvSpPr>
+          <p:cNvPr id="4" name="TextBox 3">
+            <a:extLst>
+              <a:ext uri="{FF2B5EF4-FFF2-40B4-BE49-F238E27FC236}">
+                <a16:creationId xmlns:a16="http://schemas.microsoft.com/office/drawing/2014/main" id="{50C20954-133D-397B-C916-F0D4A1A263AC}"/>
+              </a:ext>
+            </a:extLst>
+          </p:cNvPr>
+          <p:cNvSpPr txBox="1"/>
+          <p:nvPr/>
+        </p:nvSpPr>
+        <p:spPr>
+          <a:xfrm>
+            <a:off x="340614" y="6129820"/>
+            <a:ext cx="6094476" cy="507831"/>
+          </a:xfrm>
+          <a:prstGeom prst="rect">
+            <a:avLst/>
+          </a:prstGeom>
+          <a:noFill/>
+        </p:spPr>
+        <p:txBody>
+          <a:bodyPr wrap="square">
+            <a:spAutoFit/>
+          </a:bodyPr>
+          <a:lstStyle/>
+          <a:p>
+            <a:r>
+              <a:rPr lang="en-US" sz="900" dirty="0"/>
+              <a:t>Image credits: https://www.ni.com/en-in/shop/data-acquisition-and-control/add-ons-for-data-acquisition-and-control/what-is-vision-development-module/peak-signal-to-noise-ratio-as-an-image-quality-metric.html</a:t>
+            </a:r>
+          </a:p>
+        </p:txBody>
+      </p:sp>
     </p:spTree>
     <p:extLst>
       <p:ext uri="{BB962C8B-B14F-4D97-AF65-F5344CB8AC3E}">
@@ -5994,13 +6035,13 @@
             <p:ph idx="1"/>
             <p:extLst>
               <p:ext uri="{D42A27DB-BD31-4B8C-83A1-F6EECF244321}">
-                <p14:modId xmlns:p14="http://schemas.microsoft.com/office/powerpoint/2010/main" val="3074091531"/>
+                <p14:modId xmlns:p14="http://schemas.microsoft.com/office/powerpoint/2010/main" val="2166688537"/>
               </p:ext>
             </p:extLst>
           </p:nvPr>
         </p:nvGraphicFramePr>
         <p:xfrm>
-          <a:off x="2197894" y="2973493"/>
+          <a:off x="2196306" y="2168821"/>
           <a:ext cx="7796212" cy="1905000"/>
         </p:xfrm>
         <a:graphic>
@@ -6292,6 +6333,114 @@
           </a:graphicData>
         </a:graphic>
       </p:graphicFrame>
+      <p:pic>
+        <p:nvPicPr>
+          <p:cNvPr id="12" name="Picture 11" descr="A green sports car with black trim&#10;&#10;Description automatically generated">
+            <a:extLst>
+              <a:ext uri="{FF2B5EF4-FFF2-40B4-BE49-F238E27FC236}">
+                <a16:creationId xmlns:a16="http://schemas.microsoft.com/office/drawing/2014/main" id="{15FCD06E-7B46-116F-C548-69357F1F0BBC}"/>
+              </a:ext>
+            </a:extLst>
+          </p:cNvPr>
+          <p:cNvPicPr>
+            <a:picLocks noChangeAspect="1"/>
+          </p:cNvPicPr>
+          <p:nvPr/>
+        </p:nvPicPr>
+        <p:blipFill>
+          <a:blip r:embed="rId2">
+            <a:extLst>
+              <a:ext uri="{28A0092B-C50C-407E-A947-70E740481C1C}">
+                <a14:useLocalDpi xmlns:a14="http://schemas.microsoft.com/office/drawing/2010/main" val="0"/>
+              </a:ext>
+            </a:extLst>
+          </a:blip>
+          <a:stretch>
+            <a:fillRect/>
+          </a:stretch>
+        </p:blipFill>
+        <p:spPr>
+          <a:xfrm>
+            <a:off x="1014330" y="4233671"/>
+            <a:ext cx="2363951" cy="2500887"/>
+          </a:xfrm>
+          <a:prstGeom prst="rect">
+            <a:avLst/>
+          </a:prstGeom>
+        </p:spPr>
+      </p:pic>
+      <p:pic>
+        <p:nvPicPr>
+          <p:cNvPr id="14" name="Picture 13" descr="A green sports car on a white background&#10;&#10;Description automatically generated">
+            <a:extLst>
+              <a:ext uri="{FF2B5EF4-FFF2-40B4-BE49-F238E27FC236}">
+                <a16:creationId xmlns:a16="http://schemas.microsoft.com/office/drawing/2014/main" id="{5D9CF026-994C-81C7-7B5F-158A45C6C5F1}"/>
+              </a:ext>
+            </a:extLst>
+          </p:cNvPr>
+          <p:cNvPicPr>
+            <a:picLocks noChangeAspect="1"/>
+          </p:cNvPicPr>
+          <p:nvPr/>
+        </p:nvPicPr>
+        <p:blipFill>
+          <a:blip r:embed="rId3">
+            <a:extLst>
+              <a:ext uri="{28A0092B-C50C-407E-A947-70E740481C1C}">
+                <a14:useLocalDpi xmlns:a14="http://schemas.microsoft.com/office/drawing/2010/main" val="0"/>
+              </a:ext>
+            </a:extLst>
+          </a:blip>
+          <a:stretch>
+            <a:fillRect/>
+          </a:stretch>
+        </p:blipFill>
+        <p:spPr>
+          <a:xfrm>
+            <a:off x="4500147" y="4233670"/>
+            <a:ext cx="2363951" cy="2500887"/>
+          </a:xfrm>
+          <a:prstGeom prst="rect">
+            <a:avLst/>
+          </a:prstGeom>
+        </p:spPr>
+      </p:pic>
+      <p:pic>
+        <p:nvPicPr>
+          <p:cNvPr id="16" name="Picture 15" descr="A green sports car on a white background&#10;&#10;Description automatically generated">
+            <a:extLst>
+              <a:ext uri="{FF2B5EF4-FFF2-40B4-BE49-F238E27FC236}">
+                <a16:creationId xmlns:a16="http://schemas.microsoft.com/office/drawing/2014/main" id="{8F40D1E9-B5C9-8807-EA6F-75206E345DBD}"/>
+              </a:ext>
+            </a:extLst>
+          </p:cNvPr>
+          <p:cNvPicPr>
+            <a:picLocks noChangeAspect="1"/>
+          </p:cNvPicPr>
+          <p:nvPr/>
+        </p:nvPicPr>
+        <p:blipFill>
+          <a:blip r:embed="rId4">
+            <a:extLst>
+              <a:ext uri="{28A0092B-C50C-407E-A947-70E740481C1C}">
+                <a14:useLocalDpi xmlns:a14="http://schemas.microsoft.com/office/drawing/2010/main" val="0"/>
+              </a:ext>
+            </a:extLst>
+          </a:blip>
+          <a:stretch>
+            <a:fillRect/>
+          </a:stretch>
+        </p:blipFill>
+        <p:spPr>
+          <a:xfrm>
+            <a:off x="7865139" y="4233669"/>
+            <a:ext cx="2363951" cy="2500887"/>
+          </a:xfrm>
+          <a:prstGeom prst="rect">
+            <a:avLst/>
+          </a:prstGeom>
+        </p:spPr>
+      </p:pic>
     </p:spTree>
     <p:extLst>
       <p:ext uri="{BB962C8B-B14F-4D97-AF65-F5344CB8AC3E}">
@@ -6453,10 +6602,108 @@
           </a:prstGeom>
         </p:spPr>
       </p:pic>
+      <p:sp>
+        <p:nvSpPr>
+          <p:cNvPr id="6" name="TextBox 5">
+            <a:extLst>
+              <a:ext uri="{FF2B5EF4-FFF2-40B4-BE49-F238E27FC236}">
+                <a16:creationId xmlns:a16="http://schemas.microsoft.com/office/drawing/2014/main" id="{805E4F81-E57F-641F-1A52-77C812C4CF84}"/>
+              </a:ext>
+            </a:extLst>
+          </p:cNvPr>
+          <p:cNvSpPr txBox="1"/>
+          <p:nvPr/>
+        </p:nvSpPr>
+        <p:spPr>
+          <a:xfrm>
+            <a:off x="7463790" y="6248400"/>
+            <a:ext cx="6094476" cy="230832"/>
+          </a:xfrm>
+          <a:prstGeom prst="rect">
+            <a:avLst/>
+          </a:prstGeom>
+          <a:noFill/>
+        </p:spPr>
+        <p:txBody>
+          <a:bodyPr wrap="square">
+            <a:spAutoFit/>
+          </a:bodyPr>
+          <a:lstStyle/>
+          <a:p>
+            <a:r>
+              <a:rPr lang="en-US" sz="900" dirty="0"/>
+              <a:t>Image credits: https://mriquestions.com/super-resolution.html</a:t>
+            </a:r>
+          </a:p>
+        </p:txBody>
+      </p:sp>
     </p:spTree>
     <p:extLst>
       <p:ext uri="{BB962C8B-B14F-4D97-AF65-F5344CB8AC3E}">
         <p14:creationId xmlns:p14="http://schemas.microsoft.com/office/powerpoint/2010/main" val="1956732686"/>
+      </p:ext>
+    </p:extLst>
+  </p:cSld>
+  <p:clrMapOvr>
+    <a:masterClrMapping/>
+  </p:clrMapOvr>
+</p:sld>
+</file>
+
+<file path=ppt/slides/slide13.xml><?xml version="1.0" encoding="utf-8"?>
+<p:sld xmlns:a="http://schemas.openxmlformats.org/drawingml/2006/main" xmlns:r="http://schemas.openxmlformats.org/officeDocument/2006/relationships" xmlns:p="http://schemas.openxmlformats.org/presentationml/2006/main">
+  <p:cSld>
+    <p:spTree>
+      <p:nvGrpSpPr>
+        <p:cNvPr id="1" name=""/>
+        <p:cNvGrpSpPr/>
+        <p:nvPr/>
+      </p:nvGrpSpPr>
+      <p:grpSpPr>
+        <a:xfrm>
+          <a:off x="0" y="0"/>
+          <a:ext cx="0" cy="0"/>
+          <a:chOff x="0" y="0"/>
+          <a:chExt cx="0" cy="0"/>
+        </a:xfrm>
+      </p:grpSpPr>
+      <p:sp>
+        <p:nvSpPr>
+          <p:cNvPr id="2" name="Title 1">
+            <a:extLst>
+              <a:ext uri="{FF2B5EF4-FFF2-40B4-BE49-F238E27FC236}">
+                <a16:creationId xmlns:a16="http://schemas.microsoft.com/office/drawing/2014/main" id="{CECAEA56-13B7-08F0-CBD6-A07C1E7452AE}"/>
+              </a:ext>
+            </a:extLst>
+          </p:cNvPr>
+          <p:cNvSpPr>
+            <a:spLocks noGrp="1"/>
+          </p:cNvSpPr>
+          <p:nvPr>
+            <p:ph type="title"/>
+          </p:nvPr>
+        </p:nvSpPr>
+        <p:spPr>
+          <a:xfrm>
+            <a:off x="4442397" y="2476500"/>
+            <a:ext cx="9905998" cy="1905000"/>
+          </a:xfrm>
+        </p:spPr>
+        <p:txBody>
+          <a:bodyPr/>
+          <a:lstStyle/>
+          <a:p>
+            <a:r>
+              <a:rPr lang="en-US" dirty="0"/>
+              <a:t>THANK YOU!</a:t>
+            </a:r>
+          </a:p>
+        </p:txBody>
+      </p:sp>
+    </p:spTree>
+    <p:extLst>
+      <p:ext uri="{BB962C8B-B14F-4D97-AF65-F5344CB8AC3E}">
+        <p14:creationId xmlns:p14="http://schemas.microsoft.com/office/powerpoint/2010/main" val="3070745569"/>
       </p:ext>
     </p:extLst>
   </p:cSld>
@@ -6656,6 +6903,41 @@
           </a:prstGeom>
         </p:spPr>
       </p:pic>
+      <p:sp>
+        <p:nvSpPr>
+          <p:cNvPr id="4" name="TextBox 3">
+            <a:extLst>
+              <a:ext uri="{FF2B5EF4-FFF2-40B4-BE49-F238E27FC236}">
+                <a16:creationId xmlns:a16="http://schemas.microsoft.com/office/drawing/2014/main" id="{BFC909C9-12F0-C2EA-1943-4AD99BFC17F0}"/>
+              </a:ext>
+            </a:extLst>
+          </p:cNvPr>
+          <p:cNvSpPr txBox="1"/>
+          <p:nvPr/>
+        </p:nvSpPr>
+        <p:spPr>
+          <a:xfrm>
+            <a:off x="8356092" y="6525691"/>
+            <a:ext cx="6094476" cy="215444"/>
+          </a:xfrm>
+          <a:prstGeom prst="rect">
+            <a:avLst/>
+          </a:prstGeom>
+          <a:noFill/>
+        </p:spPr>
+        <p:txBody>
+          <a:bodyPr wrap="square">
+            <a:spAutoFit/>
+          </a:bodyPr>
+          <a:lstStyle/>
+          <a:p>
+            <a:r>
+              <a:rPr lang="en-US" sz="800" dirty="0"/>
+              <a:t>Image credits: https://blog.paperspace.com/image-super-resolution/</a:t>
+            </a:r>
+          </a:p>
+        </p:txBody>
+      </p:sp>
     </p:spTree>
     <p:extLst>
       <p:ext uri="{BB962C8B-B14F-4D97-AF65-F5344CB8AC3E}">
@@ -6803,7 +7085,7 @@
         </p:blipFill>
         <p:spPr>
           <a:xfrm>
-            <a:off x="6451028" y="3899915"/>
+            <a:off x="4570538" y="3965449"/>
             <a:ext cx="2340869" cy="2340869"/>
           </a:xfrm>
           <a:prstGeom prst="rect">
@@ -6839,7 +7121,7 @@
         </p:blipFill>
         <p:spPr>
           <a:xfrm>
-            <a:off x="2886455" y="3899916"/>
+            <a:off x="1141413" y="3948683"/>
             <a:ext cx="2340869" cy="2340869"/>
           </a:xfrm>
           <a:prstGeom prst="rect">
@@ -6861,7 +7143,7 @@
         </p:nvSpPr>
         <p:spPr>
           <a:xfrm>
-            <a:off x="2846830" y="6248400"/>
+            <a:off x="1141413" y="6357720"/>
             <a:ext cx="2676143" cy="369332"/>
           </a:xfrm>
           <a:prstGeom prst="rect">
@@ -6896,7 +7178,7 @@
         </p:nvSpPr>
         <p:spPr>
           <a:xfrm>
-            <a:off x="6451028" y="6248400"/>
+            <a:off x="4485196" y="6385301"/>
             <a:ext cx="2676143" cy="369332"/>
           </a:xfrm>
           <a:prstGeom prst="rect">
@@ -6914,6 +7196,52 @@
               <a:rPr lang="en-US" dirty="0"/>
               <a:t>High resolution image</a:t>
             </a:r>
+          </a:p>
+        </p:txBody>
+      </p:sp>
+      <p:sp>
+        <p:nvSpPr>
+          <p:cNvPr id="6" name="TextBox 5">
+            <a:extLst>
+              <a:ext uri="{FF2B5EF4-FFF2-40B4-BE49-F238E27FC236}">
+                <a16:creationId xmlns:a16="http://schemas.microsoft.com/office/drawing/2014/main" id="{0D18035D-5713-CE3A-A776-7FF2FC37B674}"/>
+              </a:ext>
+            </a:extLst>
+          </p:cNvPr>
+          <p:cNvSpPr txBox="1"/>
+          <p:nvPr/>
+        </p:nvSpPr>
+        <p:spPr>
+          <a:xfrm>
+            <a:off x="7271766" y="5907956"/>
+            <a:ext cx="6094476" cy="369332"/>
+          </a:xfrm>
+          <a:prstGeom prst="rect">
+            <a:avLst/>
+          </a:prstGeom>
+          <a:noFill/>
+        </p:spPr>
+        <p:txBody>
+          <a:bodyPr wrap="square">
+            <a:spAutoFit/>
+          </a:bodyPr>
+          <a:lstStyle/>
+          <a:p>
+            <a:r>
+              <a:rPr lang="en-US" sz="900" dirty="0">
+                <a:hlinkClick r:id="rId2"/>
+              </a:rPr>
+              <a:t>Image credits: </a:t>
+            </a:r>
+          </a:p>
+          <a:p>
+            <a:r>
+              <a:rPr lang="en-US" sz="900" dirty="0">
+                <a:hlinkClick r:id="rId2"/>
+              </a:rPr>
+              <a:t>https://www.kaggle.com/datasets/adityachandrasekhar/image-super-resolution</a:t>
+            </a:r>
+            <a:endParaRPr lang="en-US" sz="900" dirty="0"/>
           </a:p>
         </p:txBody>
       </p:sp>
@@ -7111,13 +7439,13 @@
         <p:spPr/>
         <p:txBody>
           <a:bodyPr>
-            <a:normAutofit fontScale="77500" lnSpcReduction="20000"/>
+            <a:normAutofit fontScale="62500" lnSpcReduction="20000"/>
           </a:bodyPr>
           <a:lstStyle/>
           <a:p>
             <a:r>
               <a:rPr lang="en-US" dirty="0"/>
-              <a:t>Autoencoder approach</a:t>
+              <a:t>Autoencoder approach </a:t>
             </a:r>
           </a:p>
           <a:p>
@@ -7179,6 +7507,22 @@
             <a:r>
               <a:rPr lang="en-US" dirty="0"/>
               <a:t>Skip connections</a:t>
+            </a:r>
+          </a:p>
+          <a:p>
+            <a:r>
+              <a:rPr lang="en-US" dirty="0"/>
+              <a:t>Architecture (</a:t>
+            </a:r>
+            <a:r>
+              <a:rPr lang="en-US" dirty="0">
+                <a:hlinkClick r:id="rId2"/>
+              </a:rPr>
+              <a:t>LINK</a:t>
+            </a:r>
+            <a:r>
+              <a:rPr lang="en-US" dirty="0"/>
+              <a:t>)</a:t>
             </a:r>
           </a:p>
           <a:p>
@@ -7201,7 +7545,7 @@
           <p:nvPr/>
         </p:nvPicPr>
         <p:blipFill>
-          <a:blip r:embed="rId2">
+          <a:blip r:embed="rId3">
             <a:extLst>
               <a:ext uri="{28A0092B-C50C-407E-A947-70E740481C1C}">
                 <a14:useLocalDpi xmlns:a14="http://schemas.microsoft.com/office/drawing/2010/main" val="0"/>
@@ -7222,6 +7566,41 @@
           </a:prstGeom>
         </p:spPr>
       </p:pic>
+      <p:sp>
+        <p:nvSpPr>
+          <p:cNvPr id="5" name="TextBox 4">
+            <a:extLst>
+              <a:ext uri="{FF2B5EF4-FFF2-40B4-BE49-F238E27FC236}">
+                <a16:creationId xmlns:a16="http://schemas.microsoft.com/office/drawing/2014/main" id="{BB82E5CA-1354-CC52-ADB2-D5B5C090FEC8}"/>
+              </a:ext>
+            </a:extLst>
+          </p:cNvPr>
+          <p:cNvSpPr txBox="1"/>
+          <p:nvPr/>
+        </p:nvSpPr>
+        <p:spPr>
+          <a:xfrm>
+            <a:off x="4952935" y="5818492"/>
+            <a:ext cx="6094476" cy="369332"/>
+          </a:xfrm>
+          <a:prstGeom prst="rect">
+            <a:avLst/>
+          </a:prstGeom>
+          <a:noFill/>
+        </p:spPr>
+        <p:txBody>
+          <a:bodyPr wrap="square">
+            <a:spAutoFit/>
+          </a:bodyPr>
+          <a:lstStyle/>
+          <a:p>
+            <a:r>
+              <a:rPr lang="en-US" sz="900" dirty="0"/>
+              <a:t>Image credits: https://www.semanticscholar.org/paper/Coupled-Deep-Autoencoder-for-Single-Image-Zeng-Yu/cbec1de269cb8e4e59d452b61e4b5b7add86e7cc</a:t>
+            </a:r>
+          </a:p>
+        </p:txBody>
+      </p:sp>
     </p:spTree>
     <p:extLst>
       <p:ext uri="{BB962C8B-B14F-4D97-AF65-F5344CB8AC3E}">
@@ -7483,6 +7862,41 @@
           </a:prstGeom>
         </p:spPr>
       </p:pic>
+      <p:sp>
+        <p:nvSpPr>
+          <p:cNvPr id="4" name="TextBox 3">
+            <a:extLst>
+              <a:ext uri="{FF2B5EF4-FFF2-40B4-BE49-F238E27FC236}">
+                <a16:creationId xmlns:a16="http://schemas.microsoft.com/office/drawing/2014/main" id="{ACE9EACA-ADB7-A674-CB38-6C9D8F94A870}"/>
+              </a:ext>
+            </a:extLst>
+          </p:cNvPr>
+          <p:cNvSpPr txBox="1"/>
+          <p:nvPr/>
+        </p:nvSpPr>
+        <p:spPr>
+          <a:xfrm>
+            <a:off x="258318" y="5803315"/>
+            <a:ext cx="6094476" cy="369332"/>
+          </a:xfrm>
+          <a:prstGeom prst="rect">
+            <a:avLst/>
+          </a:prstGeom>
+          <a:noFill/>
+        </p:spPr>
+        <p:txBody>
+          <a:bodyPr wrap="square">
+            <a:spAutoFit/>
+          </a:bodyPr>
+          <a:lstStyle/>
+          <a:p>
+            <a:r>
+              <a:rPr lang="en-US" sz="900" dirty="0"/>
+              <a:t>Image credits: https://medium.com/analytics-vidhya/loss-functions-for-image-super-resolution-sisr-8a65644fbd85</a:t>
+            </a:r>
+          </a:p>
+        </p:txBody>
+      </p:sp>
     </p:spTree>
     <p:extLst>
       <p:ext uri="{BB962C8B-B14F-4D97-AF65-F5344CB8AC3E}">
@@ -7601,6 +8015,41 @@
           </a:prstGeom>
         </p:spPr>
       </p:pic>
+      <p:sp>
+        <p:nvSpPr>
+          <p:cNvPr id="4" name="TextBox 3">
+            <a:extLst>
+              <a:ext uri="{FF2B5EF4-FFF2-40B4-BE49-F238E27FC236}">
+                <a16:creationId xmlns:a16="http://schemas.microsoft.com/office/drawing/2014/main" id="{8D806357-506C-D000-0E5B-C7EF7293F9D8}"/>
+              </a:ext>
+            </a:extLst>
+          </p:cNvPr>
+          <p:cNvSpPr txBox="1"/>
+          <p:nvPr/>
+        </p:nvSpPr>
+        <p:spPr>
+          <a:xfrm>
+            <a:off x="747082" y="5230133"/>
+            <a:ext cx="6094476" cy="230832"/>
+          </a:xfrm>
+          <a:prstGeom prst="rect">
+            <a:avLst/>
+          </a:prstGeom>
+          <a:noFill/>
+        </p:spPr>
+        <p:txBody>
+          <a:bodyPr wrap="square">
+            <a:spAutoFit/>
+          </a:bodyPr>
+          <a:lstStyle/>
+          <a:p>
+            <a:r>
+              <a:rPr lang="en-US" sz="900" dirty="0"/>
+              <a:t>Image credits: https://en.wikipedia.org/wiki/Structural_similarity</a:t>
+            </a:r>
+          </a:p>
+        </p:txBody>
+      </p:sp>
     </p:spTree>
     <p:extLst>
       <p:ext uri="{BB962C8B-B14F-4D97-AF65-F5344CB8AC3E}">
